--- a/slides/Angular2.pptx
+++ b/slides/Angular2.pptx
@@ -5,7 +5,7 @@
     <p:sldMasterId id="2147483660" r:id="rId1"/>
   </p:sldMasterIdLst>
   <p:notesMasterIdLst>
-    <p:notesMasterId r:id="rId31"/>
+    <p:notesMasterId r:id="rId33"/>
   </p:notesMasterIdLst>
   <p:sldIdLst>
     <p:sldId id="256" r:id="rId2"/>
@@ -19,24 +19,26 @@
     <p:sldId id="263" r:id="rId10"/>
     <p:sldId id="267" r:id="rId11"/>
     <p:sldId id="266" r:id="rId12"/>
-    <p:sldId id="269" r:id="rId13"/>
-    <p:sldId id="270" r:id="rId14"/>
-    <p:sldId id="283" r:id="rId15"/>
-    <p:sldId id="284" r:id="rId16"/>
-    <p:sldId id="271" r:id="rId17"/>
-    <p:sldId id="273" r:id="rId18"/>
-    <p:sldId id="272" r:id="rId19"/>
-    <p:sldId id="287" r:id="rId20"/>
-    <p:sldId id="285" r:id="rId21"/>
-    <p:sldId id="274" r:id="rId22"/>
-    <p:sldId id="275" r:id="rId23"/>
-    <p:sldId id="276" r:id="rId24"/>
-    <p:sldId id="278" r:id="rId25"/>
-    <p:sldId id="279" r:id="rId26"/>
-    <p:sldId id="280" r:id="rId27"/>
-    <p:sldId id="281" r:id="rId28"/>
-    <p:sldId id="282" r:id="rId29"/>
-    <p:sldId id="286" r:id="rId30"/>
+    <p:sldId id="288" r:id="rId13"/>
+    <p:sldId id="269" r:id="rId14"/>
+    <p:sldId id="270" r:id="rId15"/>
+    <p:sldId id="283" r:id="rId16"/>
+    <p:sldId id="284" r:id="rId17"/>
+    <p:sldId id="271" r:id="rId18"/>
+    <p:sldId id="273" r:id="rId19"/>
+    <p:sldId id="289" r:id="rId20"/>
+    <p:sldId id="272" r:id="rId21"/>
+    <p:sldId id="287" r:id="rId22"/>
+    <p:sldId id="285" r:id="rId23"/>
+    <p:sldId id="274" r:id="rId24"/>
+    <p:sldId id="275" r:id="rId25"/>
+    <p:sldId id="276" r:id="rId26"/>
+    <p:sldId id="278" r:id="rId27"/>
+    <p:sldId id="279" r:id="rId28"/>
+    <p:sldId id="280" r:id="rId29"/>
+    <p:sldId id="281" r:id="rId30"/>
+    <p:sldId id="282" r:id="rId31"/>
+    <p:sldId id="286" r:id="rId32"/>
   </p:sldIdLst>
   <p:sldSz cx="12192000" cy="6858000"/>
   <p:notesSz cx="6858000" cy="9144000"/>
@@ -2881,7 +2883,7 @@
           <a:p>
             <a:fld id="{40C9EC12-D619-4239-BA0B-F64B757C48A8}" type="datetimeFigureOut">
               <a:rPr lang="bg-BG" smtClean="0"/>
-              <a:t>22.2.2017 г.</a:t>
+              <a:t>5.3.2017 г.</a:t>
             </a:fld>
             <a:endParaRPr lang="bg-BG"/>
           </a:p>
@@ -3503,7 +3505,7 @@
             <a:fld id="{87DE6118-2437-4B30-8E3C-4D2BE6020583}" type="datetimeFigureOut">
               <a:rPr lang="en-US" smtClean="0"/>
               <a:pPr/>
-              <a:t>2/22/2017</a:t>
+              <a:t>3/5/2017</a:t>
             </a:fld>
             <a:endParaRPr lang="en-US" dirty="0"/>
           </a:p>
@@ -3834,7 +3836,7 @@
           <a:p>
             <a:fld id="{87DE6118-2437-4B30-8E3C-4D2BE6020583}" type="datetimeFigureOut">
               <a:rPr lang="en-US" smtClean="0"/>
-              <a:t>2/22/2017</a:t>
+              <a:t>3/5/2017</a:t>
             </a:fld>
             <a:endParaRPr lang="en-US" dirty="0"/>
           </a:p>
@@ -4014,7 +4016,7 @@
           <a:p>
             <a:fld id="{87DE6118-2437-4B30-8E3C-4D2BE6020583}" type="datetimeFigureOut">
               <a:rPr lang="en-US" smtClean="0"/>
-              <a:t>2/22/2017</a:t>
+              <a:t>3/5/2017</a:t>
             </a:fld>
             <a:endParaRPr lang="en-US" dirty="0"/>
           </a:p>
@@ -4184,7 +4186,7 @@
           <a:p>
             <a:fld id="{87DE6118-2437-4B30-8E3C-4D2BE6020583}" type="datetimeFigureOut">
               <a:rPr lang="en-US" smtClean="0"/>
-              <a:t>2/22/2017</a:t>
+              <a:t>3/5/2017</a:t>
             </a:fld>
             <a:endParaRPr lang="en-US" dirty="0"/>
           </a:p>
@@ -4462,7 +4464,7 @@
             <a:fld id="{87DE6118-2437-4B30-8E3C-4D2BE6020583}" type="datetimeFigureOut">
               <a:rPr lang="en-US" smtClean="0"/>
               <a:pPr/>
-              <a:t>2/22/2017</a:t>
+              <a:t>3/5/2017</a:t>
             </a:fld>
             <a:endParaRPr lang="en-US" dirty="0"/>
           </a:p>
@@ -4857,7 +4859,7 @@
           <a:p>
             <a:fld id="{87DE6118-2437-4B30-8E3C-4D2BE6020583}" type="datetimeFigureOut">
               <a:rPr lang="en-US" smtClean="0"/>
-              <a:t>2/22/2017</a:t>
+              <a:t>3/5/2017</a:t>
             </a:fld>
             <a:endParaRPr lang="en-US" dirty="0"/>
           </a:p>
@@ -5334,7 +5336,7 @@
           <a:p>
             <a:fld id="{87DE6118-2437-4B30-8E3C-4D2BE6020583}" type="datetimeFigureOut">
               <a:rPr lang="en-US" smtClean="0"/>
-              <a:t>2/22/2017</a:t>
+              <a:t>3/5/2017</a:t>
             </a:fld>
             <a:endParaRPr lang="en-US" dirty="0"/>
           </a:p>
@@ -5452,7 +5454,7 @@
           <a:p>
             <a:fld id="{87DE6118-2437-4B30-8E3C-4D2BE6020583}" type="datetimeFigureOut">
               <a:rPr lang="en-US" smtClean="0"/>
-              <a:t>2/22/2017</a:t>
+              <a:t>3/5/2017</a:t>
             </a:fld>
             <a:endParaRPr lang="en-US" dirty="0"/>
           </a:p>
@@ -5547,7 +5549,7 @@
           <a:p>
             <a:fld id="{87DE6118-2437-4B30-8E3C-4D2BE6020583}" type="datetimeFigureOut">
               <a:rPr lang="en-US" smtClean="0"/>
-              <a:t>2/22/2017</a:t>
+              <a:t>3/5/2017</a:t>
             </a:fld>
             <a:endParaRPr lang="en-US" dirty="0"/>
           </a:p>
@@ -5894,7 +5896,7 @@
             <a:fld id="{87DE6118-2437-4B30-8E3C-4D2BE6020583}" type="datetimeFigureOut">
               <a:rPr lang="en-US" smtClean="0"/>
               <a:pPr/>
-              <a:t>2/22/2017</a:t>
+              <a:t>3/5/2017</a:t>
             </a:fld>
             <a:endParaRPr lang="en-US" dirty="0"/>
           </a:p>
@@ -6284,7 +6286,7 @@
             <a:fld id="{87DE6118-2437-4B30-8E3C-4D2BE6020583}" type="datetimeFigureOut">
               <a:rPr lang="en-US" smtClean="0"/>
               <a:pPr/>
-              <a:t>2/22/2017</a:t>
+              <a:t>3/5/2017</a:t>
             </a:fld>
             <a:endParaRPr lang="en-US" dirty="0"/>
           </a:p>
@@ -6564,7 +6566,7 @@
             <a:fld id="{87DE6118-2437-4B30-8E3C-4D2BE6020583}" type="datetimeFigureOut">
               <a:rPr lang="en-US" smtClean="0"/>
               <a:pPr/>
-              <a:t>2/22/2017</a:t>
+              <a:t>3/5/2017</a:t>
             </a:fld>
             <a:endParaRPr lang="en-US" dirty="0"/>
           </a:p>
@@ -7657,6 +7659,82 @@
 <file path=ppt/slides/slide12.xml><?xml version="1.0" encoding="utf-8"?>
 <p:sld xmlns:a="http://schemas.openxmlformats.org/drawingml/2006/main" xmlns:r="http://schemas.openxmlformats.org/officeDocument/2006/relationships" xmlns:p="http://schemas.openxmlformats.org/presentationml/2006/main">
   <p:cSld>
+    <p:spTree>
+      <p:nvGrpSpPr>
+        <p:cNvPr id="1" name=""/>
+        <p:cNvGrpSpPr/>
+        <p:nvPr/>
+      </p:nvGrpSpPr>
+      <p:grpSpPr>
+        <a:xfrm>
+          <a:off x="0" y="0"/>
+          <a:ext cx="0" cy="0"/>
+          <a:chOff x="0" y="0"/>
+          <a:chExt cx="0" cy="0"/>
+        </a:xfrm>
+      </p:grpSpPr>
+      <p:sp>
+        <p:nvSpPr>
+          <p:cNvPr id="4" name="Title 3"/>
+          <p:cNvSpPr>
+            <a:spLocks noGrp="1"/>
+          </p:cNvSpPr>
+          <p:nvPr>
+            <p:ph type="title"/>
+          </p:nvPr>
+        </p:nvSpPr>
+        <p:spPr/>
+        <p:txBody>
+          <a:bodyPr/>
+          <a:lstStyle/>
+          <a:p>
+            <a:r>
+              <a:rPr lang="en-US" dirty="0"/>
+              <a:t>demo </a:t>
+            </a:r>
+            <a:r>
+              <a:rPr lang="en-US" dirty="0"/>
+              <a:t>Components</a:t>
+            </a:r>
+            <a:endParaRPr lang="bg-BG" dirty="0"/>
+          </a:p>
+        </p:txBody>
+      </p:sp>
+      <p:sp>
+        <p:nvSpPr>
+          <p:cNvPr id="5" name="Text Placeholder 4"/>
+          <p:cNvSpPr>
+            <a:spLocks noGrp="1"/>
+          </p:cNvSpPr>
+          <p:nvPr>
+            <p:ph type="body" idx="1"/>
+          </p:nvPr>
+        </p:nvSpPr>
+        <p:spPr/>
+        <p:txBody>
+          <a:bodyPr/>
+          <a:lstStyle/>
+          <a:p>
+            <a:endParaRPr lang="bg-BG"/>
+          </a:p>
+        </p:txBody>
+      </p:sp>
+    </p:spTree>
+    <p:extLst>
+      <p:ext uri="{BB962C8B-B14F-4D97-AF65-F5344CB8AC3E}">
+        <p14:creationId xmlns:p14="http://schemas.microsoft.com/office/powerpoint/2010/main" val="2769662677"/>
+      </p:ext>
+    </p:extLst>
+  </p:cSld>
+  <p:clrMapOvr>
+    <a:masterClrMapping/>
+  </p:clrMapOvr>
+</p:sld>
+</file>
+
+<file path=ppt/slides/slide13.xml><?xml version="1.0" encoding="utf-8"?>
+<p:sld xmlns:a="http://schemas.openxmlformats.org/drawingml/2006/main" xmlns:r="http://schemas.openxmlformats.org/officeDocument/2006/relationships" xmlns:p="http://schemas.openxmlformats.org/presentationml/2006/main">
+  <p:cSld>
     <p:bg>
       <p:bgPr>
         <a:solidFill>
@@ -7761,7 +7839,7 @@
 </p:sld>
 </file>
 
-<file path=ppt/slides/slide13.xml><?xml version="1.0" encoding="utf-8"?>
+<file path=ppt/slides/slide14.xml><?xml version="1.0" encoding="utf-8"?>
 <p:sld xmlns:a="http://schemas.openxmlformats.org/drawingml/2006/main" xmlns:r="http://schemas.openxmlformats.org/officeDocument/2006/relationships" xmlns:p="http://schemas.openxmlformats.org/presentationml/2006/main">
   <p:cSld>
     <p:spTree>
@@ -7833,7 +7911,7 @@
 </p:sld>
 </file>
 
-<file path=ppt/slides/slide14.xml><?xml version="1.0" encoding="utf-8"?>
+<file path=ppt/slides/slide15.xml><?xml version="1.0" encoding="utf-8"?>
 <p:sld xmlns:a="http://schemas.openxmlformats.org/drawingml/2006/main" xmlns:r="http://schemas.openxmlformats.org/officeDocument/2006/relationships" xmlns:p="http://schemas.openxmlformats.org/presentationml/2006/main">
   <p:cSld>
     <p:spTree>
@@ -9687,7 +9765,7 @@
 </p:sld>
 </file>
 
-<file path=ppt/slides/slide15.xml><?xml version="1.0" encoding="utf-8"?>
+<file path=ppt/slides/slide16.xml><?xml version="1.0" encoding="utf-8"?>
 <p:sld xmlns:a="http://schemas.openxmlformats.org/drawingml/2006/main" xmlns:r="http://schemas.openxmlformats.org/officeDocument/2006/relationships" xmlns:p="http://schemas.openxmlformats.org/presentationml/2006/main">
   <p:cSld>
     <p:spTree>
@@ -9759,7 +9837,7 @@
 </p:sld>
 </file>
 
-<file path=ppt/slides/slide16.xml><?xml version="1.0" encoding="utf-8"?>
+<file path=ppt/slides/slide17.xml><?xml version="1.0" encoding="utf-8"?>
 <p:sld xmlns:a="http://schemas.openxmlformats.org/drawingml/2006/main" xmlns:r="http://schemas.openxmlformats.org/officeDocument/2006/relationships" xmlns:p="http://schemas.openxmlformats.org/presentationml/2006/main">
   <p:cSld>
     <p:spTree>
@@ -17069,7 +17147,7 @@
 </p:sld>
 </file>
 
-<file path=ppt/slides/slide17.xml><?xml version="1.0" encoding="utf-8"?>
+<file path=ppt/slides/slide18.xml><?xml version="1.0" encoding="utf-8"?>
 <p:sld xmlns:a="http://schemas.openxmlformats.org/drawingml/2006/main" xmlns:r="http://schemas.openxmlformats.org/officeDocument/2006/relationships" xmlns:p="http://schemas.openxmlformats.org/presentationml/2006/main">
   <p:cSld>
     <p:spTree>
@@ -18952,7 +19030,188 @@
 </p:sld>
 </file>
 
-<file path=ppt/slides/slide18.xml><?xml version="1.0" encoding="utf-8"?>
+<file path=ppt/slides/slide19.xml><?xml version="1.0" encoding="utf-8"?>
+<p:sld xmlns:a="http://schemas.openxmlformats.org/drawingml/2006/main" xmlns:r="http://schemas.openxmlformats.org/officeDocument/2006/relationships" xmlns:p="http://schemas.openxmlformats.org/presentationml/2006/main">
+  <p:cSld>
+    <p:spTree>
+      <p:nvGrpSpPr>
+        <p:cNvPr id="1" name=""/>
+        <p:cNvGrpSpPr/>
+        <p:nvPr/>
+      </p:nvGrpSpPr>
+      <p:grpSpPr>
+        <a:xfrm>
+          <a:off x="0" y="0"/>
+          <a:ext cx="0" cy="0"/>
+          <a:chOff x="0" y="0"/>
+          <a:chExt cx="0" cy="0"/>
+        </a:xfrm>
+      </p:grpSpPr>
+      <p:sp>
+        <p:nvSpPr>
+          <p:cNvPr id="4" name="Title 3"/>
+          <p:cNvSpPr>
+            <a:spLocks noGrp="1"/>
+          </p:cNvSpPr>
+          <p:nvPr>
+            <p:ph type="title"/>
+          </p:nvPr>
+        </p:nvSpPr>
+        <p:spPr/>
+        <p:txBody>
+          <a:bodyPr/>
+          <a:lstStyle/>
+          <a:p>
+            <a:r>
+              <a:rPr lang="en-US" dirty="0"/>
+              <a:t>Demo templates</a:t>
+            </a:r>
+            <a:endParaRPr lang="bg-BG" dirty="0"/>
+          </a:p>
+        </p:txBody>
+      </p:sp>
+      <p:sp>
+        <p:nvSpPr>
+          <p:cNvPr id="5" name="Text Placeholder 4"/>
+          <p:cNvSpPr>
+            <a:spLocks noGrp="1"/>
+          </p:cNvSpPr>
+          <p:nvPr>
+            <p:ph type="body" idx="1"/>
+          </p:nvPr>
+        </p:nvSpPr>
+        <p:spPr/>
+        <p:txBody>
+          <a:bodyPr/>
+          <a:lstStyle/>
+          <a:p>
+            <a:endParaRPr lang="bg-BG"/>
+          </a:p>
+        </p:txBody>
+      </p:sp>
+    </p:spTree>
+    <p:extLst>
+      <p:ext uri="{BB962C8B-B14F-4D97-AF65-F5344CB8AC3E}">
+        <p14:creationId xmlns:p14="http://schemas.microsoft.com/office/powerpoint/2010/main" val="3183315244"/>
+      </p:ext>
+    </p:extLst>
+  </p:cSld>
+  <p:clrMapOvr>
+    <a:masterClrMapping/>
+  </p:clrMapOvr>
+</p:sld>
+</file>
+
+<file path=ppt/slides/slide2.xml><?xml version="1.0" encoding="utf-8"?>
+<p:sld xmlns:a="http://schemas.openxmlformats.org/drawingml/2006/main" xmlns:r="http://schemas.openxmlformats.org/officeDocument/2006/relationships" xmlns:p="http://schemas.openxmlformats.org/presentationml/2006/main">
+  <p:cSld>
+    <p:spTree>
+      <p:nvGrpSpPr>
+        <p:cNvPr id="1" name=""/>
+        <p:cNvGrpSpPr/>
+        <p:nvPr/>
+      </p:nvGrpSpPr>
+      <p:grpSpPr>
+        <a:xfrm>
+          <a:off x="0" y="0"/>
+          <a:ext cx="0" cy="0"/>
+          <a:chOff x="0" y="0"/>
+          <a:chExt cx="0" cy="0"/>
+        </a:xfrm>
+      </p:grpSpPr>
+      <p:sp>
+        <p:nvSpPr>
+          <p:cNvPr id="2" name="Title 1"/>
+          <p:cNvSpPr>
+            <a:spLocks noGrp="1"/>
+          </p:cNvSpPr>
+          <p:nvPr>
+            <p:ph type="title"/>
+          </p:nvPr>
+        </p:nvSpPr>
+        <p:spPr/>
+        <p:txBody>
+          <a:bodyPr/>
+          <a:lstStyle/>
+          <a:p>
+            <a:endParaRPr lang="bg-BG" dirty="0"/>
+          </a:p>
+        </p:txBody>
+      </p:sp>
+      <p:sp>
+        <p:nvSpPr>
+          <p:cNvPr id="3" name="Content Placeholder 2"/>
+          <p:cNvSpPr>
+            <a:spLocks noGrp="1"/>
+          </p:cNvSpPr>
+          <p:nvPr>
+            <p:ph idx="1"/>
+          </p:nvPr>
+        </p:nvSpPr>
+        <p:spPr/>
+        <p:txBody>
+          <a:bodyPr/>
+          <a:lstStyle/>
+          <a:p>
+            <a:endParaRPr lang="bg-BG"/>
+          </a:p>
+        </p:txBody>
+      </p:sp>
+      <p:pic>
+        <p:nvPicPr>
+          <p:cNvPr id="4" name="Picture 16" descr="Свързано изображение"/>
+          <p:cNvPicPr>
+            <a:picLocks noChangeAspect="1" noChangeArrowheads="1"/>
+          </p:cNvPicPr>
+          <p:nvPr/>
+        </p:nvPicPr>
+        <p:blipFill>
+          <a:blip r:embed="rId2">
+            <a:extLst>
+              <a:ext uri="{28A0092B-C50C-407E-A947-70E740481C1C}">
+                <a14:useLocalDpi xmlns:a14="http://schemas.microsoft.com/office/drawing/2010/main" val="0"/>
+              </a:ext>
+            </a:extLst>
+          </a:blip>
+          <a:srcRect/>
+          <a:stretch>
+            <a:fillRect/>
+          </a:stretch>
+        </p:blipFill>
+        <p:spPr bwMode="auto">
+          <a:xfrm>
+            <a:off x="0" y="0"/>
+            <a:ext cx="12192000" cy="6858000"/>
+          </a:xfrm>
+          <a:prstGeom prst="rect">
+            <a:avLst/>
+          </a:prstGeom>
+          <a:noFill/>
+          <a:extLst>
+            <a:ext uri="{909E8E84-426E-40DD-AFC4-6F175D3DCCD1}">
+              <a14:hiddenFill xmlns:a14="http://schemas.microsoft.com/office/drawing/2010/main">
+                <a:solidFill>
+                  <a:srgbClr val="FFFFFF"/>
+                </a:solidFill>
+              </a14:hiddenFill>
+            </a:ext>
+          </a:extLst>
+        </p:spPr>
+      </p:pic>
+    </p:spTree>
+    <p:extLst>
+      <p:ext uri="{BB962C8B-B14F-4D97-AF65-F5344CB8AC3E}">
+        <p14:creationId xmlns:p14="http://schemas.microsoft.com/office/powerpoint/2010/main" val="678177099"/>
+      </p:ext>
+    </p:extLst>
+  </p:cSld>
+  <p:clrMapOvr>
+    <a:masterClrMapping/>
+  </p:clrMapOvr>
+</p:sld>
+</file>
+
+<file path=ppt/slides/slide20.xml><?xml version="1.0" encoding="utf-8"?>
 <p:sld xmlns:a="http://schemas.openxmlformats.org/drawingml/2006/main" xmlns:r="http://schemas.openxmlformats.org/officeDocument/2006/relationships" xmlns:p="http://schemas.openxmlformats.org/presentationml/2006/main">
   <p:cSld>
     <p:bg>
@@ -19067,7 +19326,7 @@
 </p:sld>
 </file>
 
-<file path=ppt/slides/slide19.xml><?xml version="1.0" encoding="utf-8"?>
+<file path=ppt/slides/slide21.xml><?xml version="1.0" encoding="utf-8"?>
 <p:sld xmlns:a="http://schemas.openxmlformats.org/drawingml/2006/main" xmlns:r="http://schemas.openxmlformats.org/officeDocument/2006/relationships" xmlns:p="http://schemas.openxmlformats.org/presentationml/2006/main">
   <p:cSld>
     <p:spTree>
@@ -20830,116 +21089,7 @@
 </p:sld>
 </file>
 
-<file path=ppt/slides/slide2.xml><?xml version="1.0" encoding="utf-8"?>
-<p:sld xmlns:a="http://schemas.openxmlformats.org/drawingml/2006/main" xmlns:r="http://schemas.openxmlformats.org/officeDocument/2006/relationships" xmlns:p="http://schemas.openxmlformats.org/presentationml/2006/main">
-  <p:cSld>
-    <p:spTree>
-      <p:nvGrpSpPr>
-        <p:cNvPr id="1" name=""/>
-        <p:cNvGrpSpPr/>
-        <p:nvPr/>
-      </p:nvGrpSpPr>
-      <p:grpSpPr>
-        <a:xfrm>
-          <a:off x="0" y="0"/>
-          <a:ext cx="0" cy="0"/>
-          <a:chOff x="0" y="0"/>
-          <a:chExt cx="0" cy="0"/>
-        </a:xfrm>
-      </p:grpSpPr>
-      <p:sp>
-        <p:nvSpPr>
-          <p:cNvPr id="2" name="Title 1"/>
-          <p:cNvSpPr>
-            <a:spLocks noGrp="1"/>
-          </p:cNvSpPr>
-          <p:nvPr>
-            <p:ph type="title"/>
-          </p:nvPr>
-        </p:nvSpPr>
-        <p:spPr/>
-        <p:txBody>
-          <a:bodyPr/>
-          <a:lstStyle/>
-          <a:p>
-            <a:endParaRPr lang="bg-BG" dirty="0"/>
-          </a:p>
-        </p:txBody>
-      </p:sp>
-      <p:sp>
-        <p:nvSpPr>
-          <p:cNvPr id="3" name="Content Placeholder 2"/>
-          <p:cNvSpPr>
-            <a:spLocks noGrp="1"/>
-          </p:cNvSpPr>
-          <p:nvPr>
-            <p:ph idx="1"/>
-          </p:nvPr>
-        </p:nvSpPr>
-        <p:spPr/>
-        <p:txBody>
-          <a:bodyPr/>
-          <a:lstStyle/>
-          <a:p>
-            <a:endParaRPr lang="bg-BG"/>
-          </a:p>
-        </p:txBody>
-      </p:sp>
-      <p:pic>
-        <p:nvPicPr>
-          <p:cNvPr id="4" name="Picture 16" descr="Свързано изображение"/>
-          <p:cNvPicPr>
-            <a:picLocks noChangeAspect="1" noChangeArrowheads="1"/>
-          </p:cNvPicPr>
-          <p:nvPr/>
-        </p:nvPicPr>
-        <p:blipFill>
-          <a:blip r:embed="rId2">
-            <a:extLst>
-              <a:ext uri="{28A0092B-C50C-407E-A947-70E740481C1C}">
-                <a14:useLocalDpi xmlns:a14="http://schemas.microsoft.com/office/drawing/2010/main" val="0"/>
-              </a:ext>
-            </a:extLst>
-          </a:blip>
-          <a:srcRect/>
-          <a:stretch>
-            <a:fillRect/>
-          </a:stretch>
-        </p:blipFill>
-        <p:spPr bwMode="auto">
-          <a:xfrm>
-            <a:off x="0" y="0"/>
-            <a:ext cx="12192000" cy="6858000"/>
-          </a:xfrm>
-          <a:prstGeom prst="rect">
-            <a:avLst/>
-          </a:prstGeom>
-          <a:noFill/>
-          <a:extLst>
-            <a:ext uri="{909E8E84-426E-40DD-AFC4-6F175D3DCCD1}">
-              <a14:hiddenFill xmlns:a14="http://schemas.microsoft.com/office/drawing/2010/main">
-                <a:solidFill>
-                  <a:srgbClr val="FFFFFF"/>
-                </a:solidFill>
-              </a14:hiddenFill>
-            </a:ext>
-          </a:extLst>
-        </p:spPr>
-      </p:pic>
-    </p:spTree>
-    <p:extLst>
-      <p:ext uri="{BB962C8B-B14F-4D97-AF65-F5344CB8AC3E}">
-        <p14:creationId xmlns:p14="http://schemas.microsoft.com/office/powerpoint/2010/main" val="678177099"/>
-      </p:ext>
-    </p:extLst>
-  </p:cSld>
-  <p:clrMapOvr>
-    <a:masterClrMapping/>
-  </p:clrMapOvr>
-</p:sld>
-</file>
-
-<file path=ppt/slides/slide20.xml><?xml version="1.0" encoding="utf-8"?>
+<file path=ppt/slides/slide22.xml><?xml version="1.0" encoding="utf-8"?>
 <p:sld xmlns:a="http://schemas.openxmlformats.org/drawingml/2006/main" xmlns:r="http://schemas.openxmlformats.org/officeDocument/2006/relationships" xmlns:p="http://schemas.openxmlformats.org/presentationml/2006/main">
   <p:cSld>
     <p:spTree>
@@ -21011,7 +21161,7 @@
 </p:sld>
 </file>
 
-<file path=ppt/slides/slide21.xml><?xml version="1.0" encoding="utf-8"?>
+<file path=ppt/slides/slide23.xml><?xml version="1.0" encoding="utf-8"?>
 <p:sld xmlns:a="http://schemas.openxmlformats.org/drawingml/2006/main" xmlns:r="http://schemas.openxmlformats.org/officeDocument/2006/relationships" xmlns:p="http://schemas.openxmlformats.org/presentationml/2006/main">
   <p:cSld>
     <p:spTree>
@@ -21379,7 +21529,7 @@
 </p:sld>
 </file>
 
-<file path=ppt/slides/slide22.xml><?xml version="1.0" encoding="utf-8"?>
+<file path=ppt/slides/slide24.xml><?xml version="1.0" encoding="utf-8"?>
 <p:sld xmlns:a="http://schemas.openxmlformats.org/drawingml/2006/main" xmlns:r="http://schemas.openxmlformats.org/officeDocument/2006/relationships" xmlns:p="http://schemas.openxmlformats.org/presentationml/2006/main">
   <p:cSld>
     <p:bg>
@@ -21502,7 +21652,7 @@
 </p:sld>
 </file>
 
-<file path=ppt/slides/slide23.xml><?xml version="1.0" encoding="utf-8"?>
+<file path=ppt/slides/slide25.xml><?xml version="1.0" encoding="utf-8"?>
 <p:sld xmlns:a="http://schemas.openxmlformats.org/drawingml/2006/main" xmlns:r="http://schemas.openxmlformats.org/officeDocument/2006/relationships" xmlns:p="http://schemas.openxmlformats.org/presentationml/2006/main">
   <p:cSld>
     <p:spTree>
@@ -22436,7 +22586,7 @@
 </p:sld>
 </file>
 
-<file path=ppt/slides/slide24.xml><?xml version="1.0" encoding="utf-8"?>
+<file path=ppt/slides/slide26.xml><?xml version="1.0" encoding="utf-8"?>
 <p:sld xmlns:a="http://schemas.openxmlformats.org/drawingml/2006/main" xmlns:r="http://schemas.openxmlformats.org/officeDocument/2006/relationships" xmlns:p="http://schemas.openxmlformats.org/presentationml/2006/main">
   <p:cSld>
     <p:spTree>
@@ -22804,7 +22954,7 @@
 </p:sld>
 </file>
 
-<file path=ppt/slides/slide25.xml><?xml version="1.0" encoding="utf-8"?>
+<file path=ppt/slides/slide27.xml><?xml version="1.0" encoding="utf-8"?>
 <p:sld xmlns:a="http://schemas.openxmlformats.org/drawingml/2006/main" xmlns:r="http://schemas.openxmlformats.org/officeDocument/2006/relationships" xmlns:p="http://schemas.openxmlformats.org/presentationml/2006/main">
   <p:cSld>
     <p:bg>
@@ -22879,7 +23029,7 @@
 </p:sld>
 </file>
 
-<file path=ppt/slides/slide26.xml><?xml version="1.0" encoding="utf-8"?>
+<file path=ppt/slides/slide28.xml><?xml version="1.0" encoding="utf-8"?>
 <p:sld xmlns:a="http://schemas.openxmlformats.org/drawingml/2006/main" xmlns:r="http://schemas.openxmlformats.org/officeDocument/2006/relationships" xmlns:p="http://schemas.openxmlformats.org/presentationml/2006/main">
   <p:cSld>
     <p:spTree>
@@ -23360,7 +23510,7 @@
 </p:sld>
 </file>
 
-<file path=ppt/slides/slide27.xml><?xml version="1.0" encoding="utf-8"?>
+<file path=ppt/slides/slide29.xml><?xml version="1.0" encoding="utf-8"?>
 <p:sld xmlns:a="http://schemas.openxmlformats.org/drawingml/2006/main" xmlns:r="http://schemas.openxmlformats.org/officeDocument/2006/relationships" xmlns:p="http://schemas.openxmlformats.org/presentationml/2006/main">
   <p:cSld>
     <p:spTree>
@@ -23433,7 +23583,116 @@
 </p:sld>
 </file>
 
-<file path=ppt/slides/slide28.xml><?xml version="1.0" encoding="utf-8"?>
+<file path=ppt/slides/slide3.xml><?xml version="1.0" encoding="utf-8"?>
+<p:sld xmlns:a="http://schemas.openxmlformats.org/drawingml/2006/main" xmlns:r="http://schemas.openxmlformats.org/officeDocument/2006/relationships" xmlns:p="http://schemas.openxmlformats.org/presentationml/2006/main">
+  <p:cSld>
+    <p:spTree>
+      <p:nvGrpSpPr>
+        <p:cNvPr id="1" name=""/>
+        <p:cNvGrpSpPr/>
+        <p:nvPr/>
+      </p:nvGrpSpPr>
+      <p:grpSpPr>
+        <a:xfrm>
+          <a:off x="0" y="0"/>
+          <a:ext cx="0" cy="0"/>
+          <a:chOff x="0" y="0"/>
+          <a:chExt cx="0" cy="0"/>
+        </a:xfrm>
+      </p:grpSpPr>
+      <p:sp>
+        <p:nvSpPr>
+          <p:cNvPr id="2" name="Title 1"/>
+          <p:cNvSpPr>
+            <a:spLocks noGrp="1"/>
+          </p:cNvSpPr>
+          <p:nvPr>
+            <p:ph type="title"/>
+          </p:nvPr>
+        </p:nvSpPr>
+        <p:spPr/>
+        <p:txBody>
+          <a:bodyPr/>
+          <a:lstStyle/>
+          <a:p>
+            <a:endParaRPr lang="bg-BG"/>
+          </a:p>
+        </p:txBody>
+      </p:sp>
+      <p:sp>
+        <p:nvSpPr>
+          <p:cNvPr id="10" name="Content Placeholder 9"/>
+          <p:cNvSpPr>
+            <a:spLocks noGrp="1"/>
+          </p:cNvSpPr>
+          <p:nvPr>
+            <p:ph idx="1"/>
+          </p:nvPr>
+        </p:nvSpPr>
+        <p:spPr/>
+        <p:txBody>
+          <a:bodyPr/>
+          <a:lstStyle/>
+          <a:p>
+            <a:endParaRPr lang="bg-BG"/>
+          </a:p>
+        </p:txBody>
+      </p:sp>
+      <p:pic>
+        <p:nvPicPr>
+          <p:cNvPr id="3074" name="Picture 2" descr="Резултат с изображение за speed"/>
+          <p:cNvPicPr>
+            <a:picLocks noChangeAspect="1" noChangeArrowheads="1"/>
+          </p:cNvPicPr>
+          <p:nvPr/>
+        </p:nvPicPr>
+        <p:blipFill>
+          <a:blip r:embed="rId3">
+            <a:extLst>
+              <a:ext uri="{28A0092B-C50C-407E-A947-70E740481C1C}">
+                <a14:useLocalDpi xmlns:a14="http://schemas.microsoft.com/office/drawing/2010/main" val="0"/>
+              </a:ext>
+            </a:extLst>
+          </a:blip>
+          <a:srcRect/>
+          <a:stretch>
+            <a:fillRect/>
+          </a:stretch>
+        </p:blipFill>
+        <p:spPr bwMode="auto">
+          <a:xfrm>
+            <a:off x="0" y="0"/>
+            <a:ext cx="12191999" cy="6858000"/>
+          </a:xfrm>
+          <a:prstGeom prst="rect">
+            <a:avLst/>
+          </a:prstGeom>
+          <a:noFill/>
+          <a:extLst>
+            <a:ext uri="{909E8E84-426E-40DD-AFC4-6F175D3DCCD1}">
+              <a14:hiddenFill xmlns:a14="http://schemas.microsoft.com/office/drawing/2010/main">
+                <a:solidFill>
+                  <a:srgbClr val="FFFFFF"/>
+                </a:solidFill>
+              </a14:hiddenFill>
+            </a:ext>
+          </a:extLst>
+        </p:spPr>
+      </p:pic>
+    </p:spTree>
+    <p:extLst>
+      <p:ext uri="{BB962C8B-B14F-4D97-AF65-F5344CB8AC3E}">
+        <p14:creationId xmlns:p14="http://schemas.microsoft.com/office/powerpoint/2010/main" val="595032082"/>
+      </p:ext>
+    </p:extLst>
+  </p:cSld>
+  <p:clrMapOvr>
+    <a:masterClrMapping/>
+  </p:clrMapOvr>
+</p:sld>
+</file>
+
+<file path=ppt/slides/slide30.xml><?xml version="1.0" encoding="utf-8"?>
 <p:sld xmlns:a="http://schemas.openxmlformats.org/drawingml/2006/main" xmlns:r="http://schemas.openxmlformats.org/officeDocument/2006/relationships" xmlns:p="http://schemas.openxmlformats.org/presentationml/2006/main">
   <p:cSld>
     <p:spTree>
@@ -24922,7 +25181,7 @@
 </p:sld>
 </file>
 
-<file path=ppt/slides/slide29.xml><?xml version="1.0" encoding="utf-8"?>
+<file path=ppt/slides/slide31.xml><?xml version="1.0" encoding="utf-8"?>
 <p:sld xmlns:a="http://schemas.openxmlformats.org/drawingml/2006/main" xmlns:r="http://schemas.openxmlformats.org/officeDocument/2006/relationships" xmlns:p="http://schemas.openxmlformats.org/presentationml/2006/main">
   <p:cSld>
     <p:spTree>
@@ -26318,115 +26577,6 @@
     <p:extLst>
       <p:ext uri="{BB962C8B-B14F-4D97-AF65-F5344CB8AC3E}">
         <p14:creationId xmlns:p14="http://schemas.microsoft.com/office/powerpoint/2010/main" val="4157607353"/>
-      </p:ext>
-    </p:extLst>
-  </p:cSld>
-  <p:clrMapOvr>
-    <a:masterClrMapping/>
-  </p:clrMapOvr>
-</p:sld>
-</file>
-
-<file path=ppt/slides/slide3.xml><?xml version="1.0" encoding="utf-8"?>
-<p:sld xmlns:a="http://schemas.openxmlformats.org/drawingml/2006/main" xmlns:r="http://schemas.openxmlformats.org/officeDocument/2006/relationships" xmlns:p="http://schemas.openxmlformats.org/presentationml/2006/main">
-  <p:cSld>
-    <p:spTree>
-      <p:nvGrpSpPr>
-        <p:cNvPr id="1" name=""/>
-        <p:cNvGrpSpPr/>
-        <p:nvPr/>
-      </p:nvGrpSpPr>
-      <p:grpSpPr>
-        <a:xfrm>
-          <a:off x="0" y="0"/>
-          <a:ext cx="0" cy="0"/>
-          <a:chOff x="0" y="0"/>
-          <a:chExt cx="0" cy="0"/>
-        </a:xfrm>
-      </p:grpSpPr>
-      <p:sp>
-        <p:nvSpPr>
-          <p:cNvPr id="2" name="Title 1"/>
-          <p:cNvSpPr>
-            <a:spLocks noGrp="1"/>
-          </p:cNvSpPr>
-          <p:nvPr>
-            <p:ph type="title"/>
-          </p:nvPr>
-        </p:nvSpPr>
-        <p:spPr/>
-        <p:txBody>
-          <a:bodyPr/>
-          <a:lstStyle/>
-          <a:p>
-            <a:endParaRPr lang="bg-BG"/>
-          </a:p>
-        </p:txBody>
-      </p:sp>
-      <p:sp>
-        <p:nvSpPr>
-          <p:cNvPr id="10" name="Content Placeholder 9"/>
-          <p:cNvSpPr>
-            <a:spLocks noGrp="1"/>
-          </p:cNvSpPr>
-          <p:nvPr>
-            <p:ph idx="1"/>
-          </p:nvPr>
-        </p:nvSpPr>
-        <p:spPr/>
-        <p:txBody>
-          <a:bodyPr/>
-          <a:lstStyle/>
-          <a:p>
-            <a:endParaRPr lang="bg-BG"/>
-          </a:p>
-        </p:txBody>
-      </p:sp>
-      <p:pic>
-        <p:nvPicPr>
-          <p:cNvPr id="3074" name="Picture 2" descr="Резултат с изображение за speed"/>
-          <p:cNvPicPr>
-            <a:picLocks noChangeAspect="1" noChangeArrowheads="1"/>
-          </p:cNvPicPr>
-          <p:nvPr/>
-        </p:nvPicPr>
-        <p:blipFill>
-          <a:blip r:embed="rId3">
-            <a:extLst>
-              <a:ext uri="{28A0092B-C50C-407E-A947-70E740481C1C}">
-                <a14:useLocalDpi xmlns:a14="http://schemas.microsoft.com/office/drawing/2010/main" val="0"/>
-              </a:ext>
-            </a:extLst>
-          </a:blip>
-          <a:srcRect/>
-          <a:stretch>
-            <a:fillRect/>
-          </a:stretch>
-        </p:blipFill>
-        <p:spPr bwMode="auto">
-          <a:xfrm>
-            <a:off x="0" y="0"/>
-            <a:ext cx="12191999" cy="6858000"/>
-          </a:xfrm>
-          <a:prstGeom prst="rect">
-            <a:avLst/>
-          </a:prstGeom>
-          <a:noFill/>
-          <a:extLst>
-            <a:ext uri="{909E8E84-426E-40DD-AFC4-6F175D3DCCD1}">
-              <a14:hiddenFill xmlns:a14="http://schemas.microsoft.com/office/drawing/2010/main">
-                <a:solidFill>
-                  <a:srgbClr val="FFFFFF"/>
-                </a:solidFill>
-              </a14:hiddenFill>
-            </a:ext>
-          </a:extLst>
-        </p:spPr>
-      </p:pic>
-    </p:spTree>
-    <p:extLst>
-      <p:ext uri="{BB962C8B-B14F-4D97-AF65-F5344CB8AC3E}">
-        <p14:creationId xmlns:p14="http://schemas.microsoft.com/office/powerpoint/2010/main" val="595032082"/>
       </p:ext>
     </p:extLst>
   </p:cSld>

--- a/slides/Angular2.pptx
+++ b/slides/Angular2.pptx
@@ -4251,9 +4251,15 @@
 <p:sldLayout xmlns:a="http://schemas.openxmlformats.org/drawingml/2006/main" xmlns:r="http://schemas.openxmlformats.org/officeDocument/2006/relationships" xmlns:p="http://schemas.openxmlformats.org/presentationml/2006/main" showMasterSp="0" type="secHead" preserve="1">
   <p:cSld name="Section Header">
     <p:bg>
-      <p:bgRef idx="1001">
-        <a:schemeClr val="bg2"/>
-      </p:bgRef>
+      <p:bgPr>
+        <a:solidFill>
+          <a:schemeClr val="bg1">
+            <a:lumMod val="65000"/>
+            <a:lumOff val="35000"/>
+          </a:schemeClr>
+        </a:solidFill>
+        <a:effectLst/>
+      </p:bgPr>
     </p:bg>
     <p:spTree>
       <p:nvGrpSpPr>
@@ -7690,11 +7696,7 @@
           <a:p>
             <a:r>
               <a:rPr lang="en-US" dirty="0"/>
-              <a:t>demo </a:t>
-            </a:r>
-            <a:r>
-              <a:rPr lang="en-US" dirty="0"/>
-              <a:t>Components</a:t>
+              <a:t>demo Components</a:t>
             </a:r>
             <a:endParaRPr lang="bg-BG" dirty="0"/>
           </a:p>
